--- a/mysql/mysql分享 -索引.pptx
+++ b/mysql/mysql分享 -索引.pptx
@@ -297,7 +297,7 @@
           <a:p>
             <a:fld id="{530820CF-B880-4189-942D-D702A7CBA730}" type="datetimeFigureOut">
               <a:rPr lang="zh-CN" altLang="en-US" smtClean="0"/>
-              <a:t>2018/3/7</a:t>
+              <a:t>2018/3/26</a:t>
             </a:fld>
             <a:endParaRPr lang="zh-CN" altLang="en-US"/>
           </a:p>
@@ -462,7 +462,7 @@
           <a:p>
             <a:fld id="{530820CF-B880-4189-942D-D702A7CBA730}" type="datetimeFigureOut">
               <a:rPr lang="zh-CN" altLang="en-US" smtClean="0"/>
-              <a:t>2018/3/7</a:t>
+              <a:t>2018/3/26</a:t>
             </a:fld>
             <a:endParaRPr lang="zh-CN" altLang="en-US"/>
           </a:p>
@@ -637,7 +637,7 @@
           <a:p>
             <a:fld id="{530820CF-B880-4189-942D-D702A7CBA730}" type="datetimeFigureOut">
               <a:rPr lang="zh-CN" altLang="en-US" smtClean="0"/>
-              <a:t>2018/3/7</a:t>
+              <a:t>2018/3/26</a:t>
             </a:fld>
             <a:endParaRPr lang="zh-CN" altLang="en-US"/>
           </a:p>
@@ -802,7 +802,7 @@
           <a:p>
             <a:fld id="{530820CF-B880-4189-942D-D702A7CBA730}" type="datetimeFigureOut">
               <a:rPr lang="zh-CN" altLang="en-US" smtClean="0"/>
-              <a:t>2018/3/7</a:t>
+              <a:t>2018/3/26</a:t>
             </a:fld>
             <a:endParaRPr lang="zh-CN" altLang="en-US"/>
           </a:p>
@@ -1043,7 +1043,7 @@
           <a:p>
             <a:fld id="{530820CF-B880-4189-942D-D702A7CBA730}" type="datetimeFigureOut">
               <a:rPr lang="zh-CN" altLang="en-US" smtClean="0"/>
-              <a:t>2018/3/7</a:t>
+              <a:t>2018/3/26</a:t>
             </a:fld>
             <a:endParaRPr lang="zh-CN" altLang="en-US"/>
           </a:p>
@@ -1326,7 +1326,7 @@
           <a:p>
             <a:fld id="{530820CF-B880-4189-942D-D702A7CBA730}" type="datetimeFigureOut">
               <a:rPr lang="zh-CN" altLang="en-US" smtClean="0"/>
-              <a:t>2018/3/7</a:t>
+              <a:t>2018/3/26</a:t>
             </a:fld>
             <a:endParaRPr lang="zh-CN" altLang="en-US"/>
           </a:p>
@@ -1743,7 +1743,7 @@
           <a:p>
             <a:fld id="{530820CF-B880-4189-942D-D702A7CBA730}" type="datetimeFigureOut">
               <a:rPr lang="zh-CN" altLang="en-US" smtClean="0"/>
-              <a:t>2018/3/7</a:t>
+              <a:t>2018/3/26</a:t>
             </a:fld>
             <a:endParaRPr lang="zh-CN" altLang="en-US"/>
           </a:p>
@@ -1856,7 +1856,7 @@
           <a:p>
             <a:fld id="{530820CF-B880-4189-942D-D702A7CBA730}" type="datetimeFigureOut">
               <a:rPr lang="zh-CN" altLang="en-US" smtClean="0"/>
-              <a:t>2018/3/7</a:t>
+              <a:t>2018/3/26</a:t>
             </a:fld>
             <a:endParaRPr lang="zh-CN" altLang="en-US"/>
           </a:p>
@@ -1946,7 +1946,7 @@
           <a:p>
             <a:fld id="{530820CF-B880-4189-942D-D702A7CBA730}" type="datetimeFigureOut">
               <a:rPr lang="zh-CN" altLang="en-US" smtClean="0"/>
-              <a:t>2018/3/7</a:t>
+              <a:t>2018/3/26</a:t>
             </a:fld>
             <a:endParaRPr lang="zh-CN" altLang="en-US"/>
           </a:p>
@@ -2218,7 +2218,7 @@
           <a:p>
             <a:fld id="{530820CF-B880-4189-942D-D702A7CBA730}" type="datetimeFigureOut">
               <a:rPr lang="zh-CN" altLang="en-US" smtClean="0"/>
-              <a:t>2018/3/7</a:t>
+              <a:t>2018/3/26</a:t>
             </a:fld>
             <a:endParaRPr lang="zh-CN" altLang="en-US"/>
           </a:p>
@@ -2466,7 +2466,7 @@
           <a:p>
             <a:fld id="{530820CF-B880-4189-942D-D702A7CBA730}" type="datetimeFigureOut">
               <a:rPr lang="zh-CN" altLang="en-US" smtClean="0"/>
-              <a:t>2018/3/7</a:t>
+              <a:t>2018/3/26</a:t>
             </a:fld>
             <a:endParaRPr lang="zh-CN" altLang="en-US"/>
           </a:p>
@@ -2674,7 +2674,7 @@
           <a:p>
             <a:fld id="{530820CF-B880-4189-942D-D702A7CBA730}" type="datetimeFigureOut">
               <a:rPr lang="zh-CN" altLang="en-US" smtClean="0"/>
-              <a:t>2018/3/7</a:t>
+              <a:t>2018/3/26</a:t>
             </a:fld>
             <a:endParaRPr lang="zh-CN" altLang="en-US"/>
           </a:p>
@@ -3250,11 +3250,7 @@
           <a:p>
             <a:r>
               <a:rPr lang="zh-CN" altLang="en-US" dirty="0" smtClean="0"/>
-              <a:t>索引</a:t>
-            </a:r>
-            <a:r>
-              <a:rPr lang="zh-CN" altLang="en-US" dirty="0" smtClean="0"/>
-              <a:t>匹配原则</a:t>
+              <a:t>索引匹配原则</a:t>
             </a:r>
             <a:endParaRPr lang="en-US" altLang="zh-CN" dirty="0" smtClean="0"/>
           </a:p>
@@ -3957,8 +3953,12 @@
               <a:t>索引</a:t>
             </a:r>
             <a:r>
+              <a:rPr lang="zh-CN" altLang="en-US" dirty="0"/>
+              <a:t>失效</a:t>
+            </a:r>
+            <a:r>
               <a:rPr lang="zh-CN" altLang="en-US" dirty="0" smtClean="0"/>
-              <a:t>匹配原则</a:t>
+              <a:t>情况</a:t>
             </a:r>
             <a:endParaRPr lang="zh-CN" altLang="en-US" dirty="0"/>
           </a:p>
@@ -4182,13 +4182,8 @@
             </a:r>
             <a:r>
               <a:rPr lang="zh-CN" altLang="en-US" sz="2100" b="1" dirty="0"/>
-              <a:t> </a:t>
-            </a:r>
-            <a:r>
-              <a:rPr lang="zh-CN" altLang="en-US" sz="2100" b="1" dirty="0"/>
-              <a:t>字段必须是组合索引最后一部分并且同为升序或同为降序</a:t>
-            </a:r>
-            <a:endParaRPr lang="zh-CN" altLang="en-US" sz="2100" b="1" dirty="0"/>
+              <a:t> 字段必须是组合索引最后一部分并且同为升序或同为降序</a:t>
+            </a:r>
           </a:p>
         </p:txBody>
       </p:sp>
@@ -4418,7 +4413,7 @@
           <a:p>
             <a:r>
               <a:rPr lang="zh-CN" altLang="en-US" dirty="0" smtClean="0"/>
-              <a:t>索引碎片整理</a:t>
+              <a:t>关于索引的建议</a:t>
             </a:r>
             <a:endParaRPr lang="zh-CN" altLang="en-US" dirty="0"/>
           </a:p>
@@ -4436,25 +4431,54 @@
         </p:nvSpPr>
         <p:spPr/>
         <p:txBody>
-          <a:bodyPr/>
-          <a:lstStyle/>
-          <a:p>
-            <a:endParaRPr lang="en-US" altLang="zh-CN" dirty="0" smtClean="0"/>
-          </a:p>
-          <a:p>
-            <a:r>
-              <a:rPr lang="en-US" altLang="zh-CN" dirty="0" smtClean="0"/>
-              <a:t>Alter table  </a:t>
-            </a:r>
-            <a:r>
-              <a:rPr lang="en-US" altLang="zh-CN" dirty="0" err="1" smtClean="0"/>
-              <a:t>table_name</a:t>
-            </a:r>
-            <a:r>
-              <a:rPr lang="en-US" altLang="zh-CN" dirty="0" smtClean="0"/>
-              <a:t> rename index index_name1 to index_name2</a:t>
-            </a:r>
-            <a:endParaRPr lang="zh-CN" altLang="en-US" dirty="0"/>
+          <a:bodyPr>
+            <a:normAutofit/>
+          </a:bodyPr>
+          <a:lstStyle/>
+          <a:p>
+            <a:r>
+              <a:rPr lang="en-US" altLang="zh-CN" sz="1400" dirty="0" smtClean="0"/>
+              <a:t>1.</a:t>
+            </a:r>
+            <a:r>
+              <a:rPr lang="zh-CN" altLang="en-US" sz="1400" dirty="0" smtClean="0"/>
+              <a:t>避免使用</a:t>
+            </a:r>
+            <a:r>
+              <a:rPr lang="en-US" altLang="zh-CN" sz="1400" dirty="0" smtClean="0"/>
+              <a:t>NULL</a:t>
+            </a:r>
+            <a:r>
+              <a:rPr lang="zh-CN" altLang="en-US" sz="1400" dirty="0" smtClean="0"/>
+              <a:t>字段</a:t>
+            </a:r>
+            <a:endParaRPr lang="en-US" altLang="zh-CN" sz="1400" dirty="0" smtClean="0"/>
+          </a:p>
+          <a:p>
+            <a:r>
+              <a:rPr lang="en-US" altLang="zh-CN" sz="1400" dirty="0" smtClean="0"/>
+              <a:t>2.</a:t>
+            </a:r>
+            <a:r>
+              <a:rPr lang="zh-CN" altLang="en-US" sz="1400" dirty="0"/>
+              <a:t>列</a:t>
+            </a:r>
+            <a:r>
+              <a:rPr lang="zh-CN" altLang="en-US" sz="1400" dirty="0" smtClean="0"/>
+              <a:t>类型选择原则：够用就行，不必慷慨</a:t>
+            </a:r>
+            <a:endParaRPr lang="en-US" altLang="zh-CN" sz="1400" dirty="0" smtClean="0"/>
+          </a:p>
+          <a:p>
+            <a:r>
+              <a:rPr lang="en-US" altLang="zh-CN" sz="1400" dirty="0" smtClean="0"/>
+              <a:t>3.</a:t>
+            </a:r>
+            <a:r>
+              <a:rPr lang="zh-CN" altLang="en-US" sz="1400" dirty="0" smtClean="0"/>
+              <a:t>不要在数据库做运算</a:t>
+            </a:r>
+            <a:endParaRPr lang="zh-CN" altLang="en-US" sz="1400" dirty="0"/>
           </a:p>
         </p:txBody>
       </p:sp>

--- a/mysql/mysql分享 -索引.pptx
+++ b/mysql/mysql分享 -索引.pptx
@@ -14,7 +14,8 @@
     <p:sldId id="263" r:id="rId8"/>
     <p:sldId id="264" r:id="rId9"/>
     <p:sldId id="266" r:id="rId10"/>
-    <p:sldId id="265" r:id="rId11"/>
+    <p:sldId id="267" r:id="rId11"/>
+    <p:sldId id="265" r:id="rId12"/>
   </p:sldIdLst>
   <p:sldSz cx="9144000" cy="6858000" type="screen4x3"/>
   <p:notesSz cx="6858000" cy="9144000"/>
@@ -297,7 +298,7 @@
           <a:p>
             <a:fld id="{530820CF-B880-4189-942D-D702A7CBA730}" type="datetimeFigureOut">
               <a:rPr lang="zh-CN" altLang="en-US" smtClean="0"/>
-              <a:t>2018/3/26</a:t>
+              <a:t>2018/4/10</a:t>
             </a:fld>
             <a:endParaRPr lang="zh-CN" altLang="en-US"/>
           </a:p>
@@ -462,7 +463,7 @@
           <a:p>
             <a:fld id="{530820CF-B880-4189-942D-D702A7CBA730}" type="datetimeFigureOut">
               <a:rPr lang="zh-CN" altLang="en-US" smtClean="0"/>
-              <a:t>2018/3/26</a:t>
+              <a:t>2018/4/10</a:t>
             </a:fld>
             <a:endParaRPr lang="zh-CN" altLang="en-US"/>
           </a:p>
@@ -637,7 +638,7 @@
           <a:p>
             <a:fld id="{530820CF-B880-4189-942D-D702A7CBA730}" type="datetimeFigureOut">
               <a:rPr lang="zh-CN" altLang="en-US" smtClean="0"/>
-              <a:t>2018/3/26</a:t>
+              <a:t>2018/4/10</a:t>
             </a:fld>
             <a:endParaRPr lang="zh-CN" altLang="en-US"/>
           </a:p>
@@ -802,7 +803,7 @@
           <a:p>
             <a:fld id="{530820CF-B880-4189-942D-D702A7CBA730}" type="datetimeFigureOut">
               <a:rPr lang="zh-CN" altLang="en-US" smtClean="0"/>
-              <a:t>2018/3/26</a:t>
+              <a:t>2018/4/10</a:t>
             </a:fld>
             <a:endParaRPr lang="zh-CN" altLang="en-US"/>
           </a:p>
@@ -1043,7 +1044,7 @@
           <a:p>
             <a:fld id="{530820CF-B880-4189-942D-D702A7CBA730}" type="datetimeFigureOut">
               <a:rPr lang="zh-CN" altLang="en-US" smtClean="0"/>
-              <a:t>2018/3/26</a:t>
+              <a:t>2018/4/10</a:t>
             </a:fld>
             <a:endParaRPr lang="zh-CN" altLang="en-US"/>
           </a:p>
@@ -1326,7 +1327,7 @@
           <a:p>
             <a:fld id="{530820CF-B880-4189-942D-D702A7CBA730}" type="datetimeFigureOut">
               <a:rPr lang="zh-CN" altLang="en-US" smtClean="0"/>
-              <a:t>2018/3/26</a:t>
+              <a:t>2018/4/10</a:t>
             </a:fld>
             <a:endParaRPr lang="zh-CN" altLang="en-US"/>
           </a:p>
@@ -1743,7 +1744,7 @@
           <a:p>
             <a:fld id="{530820CF-B880-4189-942D-D702A7CBA730}" type="datetimeFigureOut">
               <a:rPr lang="zh-CN" altLang="en-US" smtClean="0"/>
-              <a:t>2018/3/26</a:t>
+              <a:t>2018/4/10</a:t>
             </a:fld>
             <a:endParaRPr lang="zh-CN" altLang="en-US"/>
           </a:p>
@@ -1856,7 +1857,7 @@
           <a:p>
             <a:fld id="{530820CF-B880-4189-942D-D702A7CBA730}" type="datetimeFigureOut">
               <a:rPr lang="zh-CN" altLang="en-US" smtClean="0"/>
-              <a:t>2018/3/26</a:t>
+              <a:t>2018/4/10</a:t>
             </a:fld>
             <a:endParaRPr lang="zh-CN" altLang="en-US"/>
           </a:p>
@@ -1946,7 +1947,7 @@
           <a:p>
             <a:fld id="{530820CF-B880-4189-942D-D702A7CBA730}" type="datetimeFigureOut">
               <a:rPr lang="zh-CN" altLang="en-US" smtClean="0"/>
-              <a:t>2018/3/26</a:t>
+              <a:t>2018/4/10</a:t>
             </a:fld>
             <a:endParaRPr lang="zh-CN" altLang="en-US"/>
           </a:p>
@@ -2218,7 +2219,7 @@
           <a:p>
             <a:fld id="{530820CF-B880-4189-942D-D702A7CBA730}" type="datetimeFigureOut">
               <a:rPr lang="zh-CN" altLang="en-US" smtClean="0"/>
-              <a:t>2018/3/26</a:t>
+              <a:t>2018/4/10</a:t>
             </a:fld>
             <a:endParaRPr lang="zh-CN" altLang="en-US"/>
           </a:p>
@@ -2466,7 +2467,7 @@
           <a:p>
             <a:fld id="{530820CF-B880-4189-942D-D702A7CBA730}" type="datetimeFigureOut">
               <a:rPr lang="zh-CN" altLang="en-US" smtClean="0"/>
-              <a:t>2018/3/26</a:t>
+              <a:t>2018/4/10</a:t>
             </a:fld>
             <a:endParaRPr lang="zh-CN" altLang="en-US"/>
           </a:p>
@@ -2674,7 +2675,7 @@
           <a:p>
             <a:fld id="{530820CF-B880-4189-942D-D702A7CBA730}" type="datetimeFigureOut">
               <a:rPr lang="zh-CN" altLang="en-US" smtClean="0"/>
-              <a:t>2018/3/26</a:t>
+              <a:t>2018/4/10</a:t>
             </a:fld>
             <a:endParaRPr lang="zh-CN" altLang="en-US"/>
           </a:p>
@@ -3142,6 +3143,114 @@
             <p:ph type="title"/>
           </p:nvPr>
         </p:nvSpPr>
+        <p:spPr/>
+        <p:txBody>
+          <a:bodyPr/>
+          <a:lstStyle/>
+          <a:p>
+            <a:r>
+              <a:rPr lang="zh-CN" altLang="en-US" dirty="0"/>
+              <a:t>关于</a:t>
+            </a:r>
+            <a:r>
+              <a:rPr lang="zh-CN" altLang="en-US" dirty="0" smtClean="0"/>
+              <a:t>索引使用的建议</a:t>
+            </a:r>
+            <a:r>
+              <a:rPr lang="en-US" altLang="zh-CN" dirty="0" smtClean="0"/>
+              <a:t>(</a:t>
+            </a:r>
+            <a:r>
+              <a:rPr lang="zh-CN" altLang="en-US" dirty="0" smtClean="0"/>
+              <a:t>二</a:t>
+            </a:r>
+            <a:r>
+              <a:rPr lang="en-US" altLang="zh-CN" dirty="0" smtClean="0"/>
+              <a:t>)</a:t>
+            </a:r>
+            <a:endParaRPr lang="zh-CN" altLang="en-US" dirty="0"/>
+          </a:p>
+        </p:txBody>
+      </p:sp>
+      <p:sp>
+        <p:nvSpPr>
+          <p:cNvPr id="3" name="内容占位符 2"/>
+          <p:cNvSpPr>
+            <a:spLocks noGrp="1"/>
+          </p:cNvSpPr>
+          <p:nvPr>
+            <p:ph idx="1"/>
+          </p:nvPr>
+        </p:nvSpPr>
+        <p:spPr/>
+        <p:txBody>
+          <a:bodyPr/>
+          <a:lstStyle/>
+          <a:p>
+            <a:r>
+              <a:rPr lang="en-US" altLang="zh-CN" dirty="0" smtClean="0"/>
+              <a:t>7.or</a:t>
+            </a:r>
+            <a:r>
+              <a:rPr lang="zh-CN" altLang="en-US" dirty="0" smtClean="0"/>
+              <a:t>条件改成</a:t>
+            </a:r>
+            <a:r>
+              <a:rPr lang="en-US" altLang="zh-CN" dirty="0" smtClean="0"/>
+              <a:t>IN(?,?,?)  </a:t>
+            </a:r>
+            <a:r>
+              <a:rPr lang="zh-CN" altLang="en-US" dirty="0" smtClean="0"/>
+              <a:t>或 </a:t>
+            </a:r>
+            <a:r>
+              <a:rPr lang="en-US" altLang="zh-CN" dirty="0" smtClean="0"/>
+              <a:t>UNION</a:t>
+            </a:r>
+            <a:endParaRPr lang="zh-CN" altLang="en-US" dirty="0"/>
+          </a:p>
+        </p:txBody>
+      </p:sp>
+    </p:spTree>
+    <p:extLst>
+      <p:ext uri="{BB962C8B-B14F-4D97-AF65-F5344CB8AC3E}">
+        <p14:creationId xmlns:p14="http://schemas.microsoft.com/office/powerpoint/2010/main" val="4139189344"/>
+      </p:ext>
+    </p:extLst>
+  </p:cSld>
+  <p:clrMapOvr>
+    <a:masterClrMapping/>
+  </p:clrMapOvr>
+</p:sld>
+</file>
+
+<file path=ppt/slides/slide11.xml><?xml version="1.0" encoding="utf-8"?>
+<p:sld xmlns:a="http://schemas.openxmlformats.org/drawingml/2006/main" xmlns:r="http://schemas.openxmlformats.org/officeDocument/2006/relationships" xmlns:p="http://schemas.openxmlformats.org/presentationml/2006/main">
+  <p:cSld>
+    <p:spTree>
+      <p:nvGrpSpPr>
+        <p:cNvPr id="1" name=""/>
+        <p:cNvGrpSpPr/>
+        <p:nvPr/>
+      </p:nvGrpSpPr>
+      <p:grpSpPr>
+        <a:xfrm>
+          <a:off x="0" y="0"/>
+          <a:ext cx="0" cy="0"/>
+          <a:chOff x="0" y="0"/>
+          <a:chExt cx="0" cy="0"/>
+        </a:xfrm>
+      </p:grpSpPr>
+      <p:sp>
+        <p:nvSpPr>
+          <p:cNvPr id="2" name="标题 1"/>
+          <p:cNvSpPr>
+            <a:spLocks noGrp="1"/>
+          </p:cNvSpPr>
+          <p:nvPr>
+            <p:ph type="title"/>
+          </p:nvPr>
+        </p:nvSpPr>
         <p:spPr>
           <a:xfrm>
             <a:off x="467544" y="2204864"/>
@@ -3625,11 +3734,11 @@
             </a:r>
             <a:r>
               <a:rPr lang="zh-CN" altLang="en-US" sz="2800" dirty="0"/>
-              <a:t>多</a:t>
+              <a:t>复合</a:t>
             </a:r>
             <a:r>
               <a:rPr lang="zh-CN" altLang="en-US" sz="2800" dirty="0" smtClean="0"/>
-              <a:t>列索引</a:t>
+              <a:t>索引</a:t>
             </a:r>
             <a:endParaRPr lang="zh-CN" altLang="en-US" dirty="0"/>
           </a:p>
@@ -4256,10 +4365,15 @@
             <p:ph idx="1"/>
           </p:nvPr>
         </p:nvSpPr>
-        <p:spPr/>
+        <p:spPr>
+          <a:xfrm>
+            <a:off x="457200" y="1600201"/>
+            <a:ext cx="8229600" cy="2476871"/>
+          </a:xfrm>
+        </p:spPr>
         <p:txBody>
           <a:bodyPr>
-            <a:normAutofit lnSpcReduction="10000"/>
+            <a:normAutofit/>
           </a:bodyPr>
           <a:lstStyle/>
           <a:p>
@@ -4279,12 +4393,8 @@
               <a:t>符合索引匹配规则且查询</a:t>
             </a:r>
             <a:r>
-              <a:rPr lang="zh-CN" altLang="en-US" dirty="0"/>
-              <a:t>的列恰好是索引的</a:t>
-            </a:r>
-            <a:r>
               <a:rPr lang="zh-CN" altLang="en-US" dirty="0" smtClean="0"/>
-              <a:t>一部分</a:t>
+              <a:t>的数据恰好都能从索引上获得</a:t>
             </a:r>
             <a:r>
               <a:rPr lang="en-US" altLang="zh-CN" dirty="0" smtClean="0"/>
@@ -4292,7 +4402,11 @@
             </a:r>
             <a:r>
               <a:rPr lang="zh-CN" altLang="en-US" dirty="0" smtClean="0"/>
-              <a:t> 那么</a:t>
+              <a:t> </a:t>
+            </a:r>
+            <a:r>
+              <a:rPr lang="zh-CN" altLang="en-US" dirty="0" smtClean="0"/>
+              <a:t>那么</a:t>
             </a:r>
             <a:r>
               <a:rPr lang="zh-CN" altLang="en-US" dirty="0"/>
@@ -4317,52 +4431,6 @@
               <a:buNone/>
             </a:pPr>
             <a:endParaRPr lang="en-US" altLang="zh-CN" dirty="0"/>
-          </a:p>
-          <a:p>
-            <a:pPr marL="0" indent="0">
-              <a:buNone/>
-            </a:pPr>
-            <a:r>
-              <a:rPr lang="zh-CN" altLang="en-US" dirty="0" smtClean="0"/>
-              <a:t>典型用途：延迟关联优化分页查询</a:t>
-            </a:r>
-            <a:endParaRPr lang="en-US" altLang="zh-CN" dirty="0" smtClean="0"/>
-          </a:p>
-          <a:p>
-            <a:pPr marL="0" indent="0">
-              <a:buNone/>
-            </a:pPr>
-            <a:r>
-              <a:rPr lang="en-US" altLang="zh-CN" dirty="0" smtClean="0"/>
-              <a:t>user</a:t>
-            </a:r>
-            <a:r>
-              <a:rPr lang="zh-CN" altLang="en-US" dirty="0" smtClean="0"/>
-              <a:t>表上建有索引（</a:t>
-            </a:r>
-            <a:r>
-              <a:rPr lang="en-US" altLang="zh-CN" dirty="0" smtClean="0"/>
-              <a:t>level,</a:t>
-            </a:r>
-            <a:r>
-              <a:rPr lang="en-US" altLang="zh-CN" dirty="0"/>
-              <a:t> integral </a:t>
-            </a:r>
-            <a:r>
-              <a:rPr lang="zh-CN" altLang="en-US" dirty="0" smtClean="0"/>
-              <a:t>）</a:t>
-            </a:r>
-            <a:endParaRPr lang="en-US" altLang="zh-CN" dirty="0" smtClean="0"/>
-          </a:p>
-          <a:p>
-            <a:pPr marL="0" indent="0">
-              <a:buNone/>
-            </a:pPr>
-            <a:r>
-              <a:rPr lang="en-US" altLang="zh-CN" dirty="0" smtClean="0"/>
-              <a:t>Select t1.* from user t1,(select id from employee where level=2 and integral &gt; 100  limit  10000,10 ) t2 where t1.id = t2.id</a:t>
-            </a:r>
-            <a:endParaRPr lang="zh-CN" altLang="en-US" dirty="0"/>
           </a:p>
         </p:txBody>
       </p:sp>
@@ -4413,7 +4481,23 @@
           <a:p>
             <a:r>
               <a:rPr lang="zh-CN" altLang="en-US" dirty="0" smtClean="0"/>
-              <a:t>关于索引的建议</a:t>
+              <a:t>关于</a:t>
+            </a:r>
+            <a:r>
+              <a:rPr lang="zh-CN" altLang="en-US" dirty="0" smtClean="0"/>
+              <a:t>索引使用的建议</a:t>
+            </a:r>
+            <a:r>
+              <a:rPr lang="en-US" altLang="zh-CN" dirty="0" smtClean="0"/>
+              <a:t>(</a:t>
+            </a:r>
+            <a:r>
+              <a:rPr lang="zh-CN" altLang="en-US" dirty="0"/>
+              <a:t>一</a:t>
+            </a:r>
+            <a:r>
+              <a:rPr lang="en-US" altLang="zh-CN" dirty="0" smtClean="0"/>
+              <a:t>)</a:t>
             </a:r>
             <a:endParaRPr lang="zh-CN" altLang="en-US" dirty="0"/>
           </a:p>
@@ -4429,56 +4513,256 @@
             <p:ph idx="1"/>
           </p:nvPr>
         </p:nvSpPr>
-        <p:spPr/>
+        <p:spPr>
+          <a:xfrm>
+            <a:off x="467544" y="1268760"/>
+            <a:ext cx="8352928" cy="5184576"/>
+          </a:xfrm>
+        </p:spPr>
         <p:txBody>
           <a:bodyPr>
-            <a:normAutofit/>
+            <a:normAutofit fontScale="92500" lnSpcReduction="10000"/>
           </a:bodyPr>
           <a:lstStyle/>
           <a:p>
             <a:r>
-              <a:rPr lang="en-US" altLang="zh-CN" sz="1400" dirty="0" smtClean="0"/>
+              <a:rPr lang="en-US" altLang="zh-CN" sz="2400" dirty="0" smtClean="0"/>
               <a:t>1.</a:t>
             </a:r>
             <a:r>
-              <a:rPr lang="zh-CN" altLang="en-US" sz="1400" dirty="0" smtClean="0"/>
-              <a:t>避免使用</a:t>
-            </a:r>
-            <a:r>
-              <a:rPr lang="en-US" altLang="zh-CN" sz="1400" dirty="0" smtClean="0"/>
+              <a:rPr lang="en-US" altLang="zh-CN" sz="2400" dirty="0"/>
+              <a:t> </a:t>
+            </a:r>
+            <a:r>
+              <a:rPr lang="en-US" altLang="zh-CN" sz="2400" dirty="0" err="1"/>
+              <a:t>innodb</a:t>
+            </a:r>
+            <a:r>
+              <a:rPr lang="zh-CN" altLang="en-US" sz="2400" dirty="0"/>
+              <a:t>主键推荐</a:t>
+            </a:r>
+            <a:r>
+              <a:rPr lang="zh-CN" altLang="en-US" sz="2400" dirty="0" smtClean="0"/>
+              <a:t>使用整型自</a:t>
+            </a:r>
+            <a:r>
+              <a:rPr lang="zh-CN" altLang="en-US" sz="2400" dirty="0"/>
+              <a:t>增</a:t>
+            </a:r>
+            <a:r>
+              <a:rPr lang="zh-CN" altLang="en-US" sz="2400" dirty="0" smtClean="0"/>
+              <a:t>列</a:t>
+            </a:r>
+            <a:endParaRPr lang="en-US" altLang="zh-CN" sz="2400" dirty="0" smtClean="0"/>
+          </a:p>
+          <a:p>
+            <a:endParaRPr lang="en-US" altLang="zh-CN" sz="2400" dirty="0" smtClean="0"/>
+          </a:p>
+          <a:p>
+            <a:r>
+              <a:rPr lang="en-US" altLang="zh-CN" sz="2400" dirty="0" smtClean="0"/>
+              <a:t>2.</a:t>
+            </a:r>
+            <a:r>
+              <a:rPr lang="zh-CN" altLang="en-US" sz="2400" dirty="0" smtClean="0"/>
+              <a:t>尽量避免</a:t>
+            </a:r>
+            <a:r>
+              <a:rPr lang="zh-CN" altLang="en-US" sz="2400" dirty="0" smtClean="0"/>
+              <a:t>使用</a:t>
+            </a:r>
+            <a:r>
+              <a:rPr lang="en-US" altLang="zh-CN" sz="2400" dirty="0" smtClean="0"/>
               <a:t>NULL</a:t>
             </a:r>
             <a:r>
-              <a:rPr lang="zh-CN" altLang="en-US" sz="1400" dirty="0" smtClean="0"/>
-              <a:t>字段</a:t>
-            </a:r>
-            <a:endParaRPr lang="en-US" altLang="zh-CN" sz="1400" dirty="0" smtClean="0"/>
-          </a:p>
-          <a:p>
-            <a:r>
-              <a:rPr lang="en-US" altLang="zh-CN" sz="1400" dirty="0" smtClean="0"/>
-              <a:t>2.</a:t>
-            </a:r>
-            <a:r>
-              <a:rPr lang="zh-CN" altLang="en-US" sz="1400" dirty="0"/>
+              <a:rPr lang="zh-CN" altLang="en-US" sz="2400" dirty="0" smtClean="0"/>
+              <a:t>字段，</a:t>
+            </a:r>
+            <a:r>
+              <a:rPr lang="en-US" altLang="zh-CN" sz="2400" dirty="0" smtClean="0"/>
+              <a:t>NULL</a:t>
+            </a:r>
+            <a:r>
+              <a:rPr lang="zh-CN" altLang="en-US" sz="2400" dirty="0" smtClean="0"/>
+              <a:t>值可用特殊值替代</a:t>
+            </a:r>
+            <a:endParaRPr lang="en-US" altLang="zh-CN" sz="2400" dirty="0" smtClean="0"/>
+          </a:p>
+          <a:p>
+            <a:pPr marL="400050" lvl="1" indent="0">
+              <a:buNone/>
+            </a:pPr>
+            <a:r>
+              <a:rPr lang="en-US" altLang="zh-CN" sz="1800" dirty="0"/>
+              <a:t>NULL</a:t>
+            </a:r>
+            <a:r>
+              <a:rPr lang="zh-CN" altLang="en-US" sz="1800" dirty="0"/>
+              <a:t>字段很难查询优化</a:t>
+            </a:r>
+            <a:r>
+              <a:rPr lang="zh-CN" altLang="en-US" sz="1800" dirty="0"/>
+              <a:t/>
+            </a:r>
+            <a:br>
+              <a:rPr lang="zh-CN" altLang="en-US" sz="1800" dirty="0"/>
+            </a:br>
+            <a:r>
+              <a:rPr lang="en-US" altLang="zh-CN" sz="1800" dirty="0"/>
+              <a:t>NULL</a:t>
+            </a:r>
+            <a:r>
+              <a:rPr lang="zh-CN" altLang="en-US" sz="1800" dirty="0"/>
+              <a:t>字段的索引需要额外空间</a:t>
+            </a:r>
+            <a:r>
+              <a:rPr lang="zh-CN" altLang="en-US" sz="1800" dirty="0"/>
+              <a:t/>
+            </a:r>
+            <a:br>
+              <a:rPr lang="zh-CN" altLang="en-US" sz="1800" dirty="0"/>
+            </a:br>
+            <a:r>
+              <a:rPr lang="en-US" altLang="zh-CN" sz="1800" dirty="0"/>
+              <a:t>NULL</a:t>
+            </a:r>
+            <a:r>
+              <a:rPr lang="zh-CN" altLang="en-US" sz="1800" dirty="0"/>
+              <a:t>字段的复合索引</a:t>
+            </a:r>
+            <a:r>
+              <a:rPr lang="zh-CN" altLang="en-US" sz="1800" dirty="0" smtClean="0"/>
+              <a:t>无效</a:t>
+            </a:r>
+            <a:endParaRPr lang="en-US" altLang="zh-CN" sz="1800" dirty="0" smtClean="0"/>
+          </a:p>
+          <a:p>
+            <a:pPr marL="400050" lvl="1" indent="0">
+              <a:buNone/>
+            </a:pPr>
+            <a:endParaRPr lang="en-US" altLang="zh-CN" sz="1800" dirty="0" smtClean="0"/>
+          </a:p>
+          <a:p>
+            <a:r>
+              <a:rPr lang="en-US" altLang="zh-CN" sz="2400" dirty="0" smtClean="0"/>
+              <a:t>3.</a:t>
+            </a:r>
+            <a:r>
+              <a:rPr lang="zh-CN" altLang="en-US" sz="2400" dirty="0"/>
               <a:t>列</a:t>
             </a:r>
             <a:r>
-              <a:rPr lang="zh-CN" altLang="en-US" sz="1400" dirty="0" smtClean="0"/>
-              <a:t>类型选择原则：够用就行，不必慷慨</a:t>
-            </a:r>
-            <a:endParaRPr lang="en-US" altLang="zh-CN" sz="1400" dirty="0" smtClean="0"/>
-          </a:p>
-          <a:p>
-            <a:r>
-              <a:rPr lang="en-US" altLang="zh-CN" sz="1400" dirty="0" smtClean="0"/>
-              <a:t>3.</a:t>
-            </a:r>
-            <a:r>
-              <a:rPr lang="zh-CN" altLang="en-US" sz="1400" dirty="0" smtClean="0"/>
-              <a:t>不要在数据库做运算</a:t>
-            </a:r>
-            <a:endParaRPr lang="zh-CN" altLang="en-US" sz="1400" dirty="0"/>
+              <a:rPr lang="zh-CN" altLang="en-US" sz="2400" dirty="0"/>
+              <a:t>类型选择原则：够用就行，不必慷慨；列类型选择优先级：整形</a:t>
+            </a:r>
+            <a:r>
+              <a:rPr lang="en-US" altLang="zh-CN" sz="2400" dirty="0"/>
+              <a:t>&gt;</a:t>
+            </a:r>
+            <a:r>
+              <a:rPr lang="zh-CN" altLang="en-US" sz="2400" dirty="0"/>
+              <a:t>时间日期</a:t>
+            </a:r>
+            <a:r>
+              <a:rPr lang="en-US" altLang="zh-CN" sz="2400" dirty="0"/>
+              <a:t>&gt;</a:t>
+            </a:r>
+            <a:r>
+              <a:rPr lang="zh-CN" altLang="en-US" sz="2400" dirty="0"/>
+              <a:t>枚举</a:t>
+            </a:r>
+            <a:r>
+              <a:rPr lang="en-US" altLang="zh-CN" sz="2400" dirty="0"/>
+              <a:t>&gt;</a:t>
+            </a:r>
+            <a:r>
+              <a:rPr lang="zh-CN" altLang="en-US" sz="2400" dirty="0"/>
+              <a:t>字符型</a:t>
+            </a:r>
+            <a:r>
+              <a:rPr lang="en-US" altLang="zh-CN" sz="2400" dirty="0" smtClean="0"/>
+              <a:t>&gt;text/blob</a:t>
+            </a:r>
+          </a:p>
+          <a:p>
+            <a:endParaRPr lang="en-US" altLang="zh-CN" sz="2400" dirty="0"/>
+          </a:p>
+          <a:p>
+            <a:r>
+              <a:rPr lang="en-US" altLang="zh-CN" sz="2400" dirty="0" smtClean="0"/>
+              <a:t>4.</a:t>
+            </a:r>
+            <a:r>
+              <a:rPr lang="zh-CN" altLang="en-US" sz="2400" dirty="0"/>
+              <a:t>不要在数据库做</a:t>
+            </a:r>
+            <a:r>
+              <a:rPr lang="zh-CN" altLang="en-US" sz="2400" dirty="0" smtClean="0"/>
+              <a:t>运算：</a:t>
+            </a:r>
+            <a:r>
+              <a:rPr lang="en-US" altLang="zh-CN" sz="2400" dirty="0" err="1"/>
+              <a:t>cpu</a:t>
+            </a:r>
+            <a:r>
+              <a:rPr lang="zh-CN" altLang="en-US" sz="2400" dirty="0" smtClean="0"/>
+              <a:t>计算业务必</a:t>
+            </a:r>
+            <a:r>
+              <a:rPr lang="zh-CN" altLang="en-US" sz="2400" dirty="0"/>
+              <a:t>移至业务</a:t>
+            </a:r>
+            <a:r>
+              <a:rPr lang="zh-CN" altLang="en-US" sz="2400" dirty="0" smtClean="0"/>
+              <a:t>层</a:t>
+            </a:r>
+            <a:endParaRPr lang="en-US" altLang="zh-CN" sz="2400" dirty="0" smtClean="0"/>
+          </a:p>
+          <a:p>
+            <a:endParaRPr lang="en-US" altLang="zh-CN" sz="2400" dirty="0" smtClean="0"/>
+          </a:p>
+          <a:p>
+            <a:r>
+              <a:rPr lang="en-US" altLang="zh-CN" sz="2400" dirty="0" smtClean="0"/>
+              <a:t>5.</a:t>
+            </a:r>
+            <a:r>
+              <a:rPr lang="zh-CN" altLang="en-US" sz="2400" dirty="0" smtClean="0"/>
+              <a:t>字符字段建索引应当建前缀索引</a:t>
+            </a:r>
+            <a:endParaRPr lang="en-US" altLang="zh-CN" sz="2400" dirty="0" smtClean="0"/>
+          </a:p>
+          <a:p>
+            <a:endParaRPr lang="en-US" altLang="zh-CN" sz="2400" dirty="0" smtClean="0"/>
+          </a:p>
+          <a:p>
+            <a:r>
+              <a:rPr lang="en-US" altLang="zh-CN" sz="2400" dirty="0" smtClean="0"/>
+              <a:t>6</a:t>
+            </a:r>
+            <a:r>
+              <a:rPr lang="zh-CN" altLang="en-US" sz="2400" dirty="0"/>
+              <a:t>不用外</a:t>
+            </a:r>
+            <a:r>
+              <a:rPr lang="zh-CN" altLang="en-US" sz="2400" dirty="0" smtClean="0"/>
+              <a:t>键，由</a:t>
+            </a:r>
+            <a:r>
+              <a:rPr lang="zh-CN" altLang="en-US" sz="2400" dirty="0"/>
+              <a:t>程序保证约束</a:t>
+            </a:r>
+            <a:endParaRPr lang="en-US" altLang="zh-CN" sz="2400" dirty="0" smtClean="0"/>
+          </a:p>
+          <a:p>
+            <a:endParaRPr lang="en-US" altLang="zh-CN" sz="2400" dirty="0" smtClean="0"/>
+          </a:p>
+          <a:p>
+            <a:endParaRPr lang="en-US" altLang="zh-CN" sz="2400" dirty="0"/>
+          </a:p>
+          <a:p>
+            <a:endParaRPr lang="zh-CN" altLang="en-US" sz="2400" dirty="0"/>
           </a:p>
         </p:txBody>
       </p:sp>

--- a/mysql/mysql分享 -索引.pptx
+++ b/mysql/mysql分享 -索引.pptx
@@ -298,7 +298,7 @@
           <a:p>
             <a:fld id="{530820CF-B880-4189-942D-D702A7CBA730}" type="datetimeFigureOut">
               <a:rPr lang="zh-CN" altLang="en-US" smtClean="0"/>
-              <a:t>2018/4/10</a:t>
+              <a:t>2018/4/13</a:t>
             </a:fld>
             <a:endParaRPr lang="zh-CN" altLang="en-US"/>
           </a:p>
@@ -463,7 +463,7 @@
           <a:p>
             <a:fld id="{530820CF-B880-4189-942D-D702A7CBA730}" type="datetimeFigureOut">
               <a:rPr lang="zh-CN" altLang="en-US" smtClean="0"/>
-              <a:t>2018/4/10</a:t>
+              <a:t>2018/4/13</a:t>
             </a:fld>
             <a:endParaRPr lang="zh-CN" altLang="en-US"/>
           </a:p>
@@ -638,7 +638,7 @@
           <a:p>
             <a:fld id="{530820CF-B880-4189-942D-D702A7CBA730}" type="datetimeFigureOut">
               <a:rPr lang="zh-CN" altLang="en-US" smtClean="0"/>
-              <a:t>2018/4/10</a:t>
+              <a:t>2018/4/13</a:t>
             </a:fld>
             <a:endParaRPr lang="zh-CN" altLang="en-US"/>
           </a:p>
@@ -803,7 +803,7 @@
           <a:p>
             <a:fld id="{530820CF-B880-4189-942D-D702A7CBA730}" type="datetimeFigureOut">
               <a:rPr lang="zh-CN" altLang="en-US" smtClean="0"/>
-              <a:t>2018/4/10</a:t>
+              <a:t>2018/4/13</a:t>
             </a:fld>
             <a:endParaRPr lang="zh-CN" altLang="en-US"/>
           </a:p>
@@ -1044,7 +1044,7 @@
           <a:p>
             <a:fld id="{530820CF-B880-4189-942D-D702A7CBA730}" type="datetimeFigureOut">
               <a:rPr lang="zh-CN" altLang="en-US" smtClean="0"/>
-              <a:t>2018/4/10</a:t>
+              <a:t>2018/4/13</a:t>
             </a:fld>
             <a:endParaRPr lang="zh-CN" altLang="en-US"/>
           </a:p>
@@ -1327,7 +1327,7 @@
           <a:p>
             <a:fld id="{530820CF-B880-4189-942D-D702A7CBA730}" type="datetimeFigureOut">
               <a:rPr lang="zh-CN" altLang="en-US" smtClean="0"/>
-              <a:t>2018/4/10</a:t>
+              <a:t>2018/4/13</a:t>
             </a:fld>
             <a:endParaRPr lang="zh-CN" altLang="en-US"/>
           </a:p>
@@ -1744,7 +1744,7 @@
           <a:p>
             <a:fld id="{530820CF-B880-4189-942D-D702A7CBA730}" type="datetimeFigureOut">
               <a:rPr lang="zh-CN" altLang="en-US" smtClean="0"/>
-              <a:t>2018/4/10</a:t>
+              <a:t>2018/4/13</a:t>
             </a:fld>
             <a:endParaRPr lang="zh-CN" altLang="en-US"/>
           </a:p>
@@ -1857,7 +1857,7 @@
           <a:p>
             <a:fld id="{530820CF-B880-4189-942D-D702A7CBA730}" type="datetimeFigureOut">
               <a:rPr lang="zh-CN" altLang="en-US" smtClean="0"/>
-              <a:t>2018/4/10</a:t>
+              <a:t>2018/4/13</a:t>
             </a:fld>
             <a:endParaRPr lang="zh-CN" altLang="en-US"/>
           </a:p>
@@ -1947,7 +1947,7 @@
           <a:p>
             <a:fld id="{530820CF-B880-4189-942D-D702A7CBA730}" type="datetimeFigureOut">
               <a:rPr lang="zh-CN" altLang="en-US" smtClean="0"/>
-              <a:t>2018/4/10</a:t>
+              <a:t>2018/4/13</a:t>
             </a:fld>
             <a:endParaRPr lang="zh-CN" altLang="en-US"/>
           </a:p>
@@ -2219,7 +2219,7 @@
           <a:p>
             <a:fld id="{530820CF-B880-4189-942D-D702A7CBA730}" type="datetimeFigureOut">
               <a:rPr lang="zh-CN" altLang="en-US" smtClean="0"/>
-              <a:t>2018/4/10</a:t>
+              <a:t>2018/4/13</a:t>
             </a:fld>
             <a:endParaRPr lang="zh-CN" altLang="en-US"/>
           </a:p>
@@ -2467,7 +2467,7 @@
           <a:p>
             <a:fld id="{530820CF-B880-4189-942D-D702A7CBA730}" type="datetimeFigureOut">
               <a:rPr lang="zh-CN" altLang="en-US" smtClean="0"/>
-              <a:t>2018/4/10</a:t>
+              <a:t>2018/4/13</a:t>
             </a:fld>
             <a:endParaRPr lang="zh-CN" altLang="en-US"/>
           </a:p>
@@ -2675,7 +2675,7 @@
           <a:p>
             <a:fld id="{530820CF-B880-4189-942D-D702A7CBA730}" type="datetimeFigureOut">
               <a:rPr lang="zh-CN" altLang="en-US" smtClean="0"/>
-              <a:t>2018/4/10</a:t>
+              <a:t>2018/4/13</a:t>
             </a:fld>
             <a:endParaRPr lang="zh-CN" altLang="en-US"/>
           </a:p>
@@ -3448,39 +3448,100 @@
             <p:ph idx="1"/>
           </p:nvPr>
         </p:nvSpPr>
-        <p:spPr/>
-        <p:txBody>
-          <a:bodyPr/>
-          <a:lstStyle/>
-          <a:p>
-            <a:r>
-              <a:rPr lang="en-US" altLang="zh-CN" dirty="0" smtClean="0"/>
+        <p:spPr>
+          <a:xfrm>
+            <a:off x="539552" y="1268760"/>
+            <a:ext cx="8229600" cy="4525963"/>
+          </a:xfrm>
+        </p:spPr>
+        <p:txBody>
+          <a:bodyPr/>
+          <a:lstStyle/>
+          <a:p>
+            <a:r>
+              <a:rPr lang="en-US" altLang="zh-CN" sz="2000" dirty="0" smtClean="0"/>
               <a:t>B+</a:t>
             </a:r>
             <a:r>
-              <a:rPr lang="zh-CN" altLang="en-US" dirty="0" smtClean="0"/>
-              <a:t>树结构（有序，适合磁盘存储）</a:t>
-            </a:r>
-            <a:endParaRPr lang="en-US" altLang="zh-CN" dirty="0" smtClean="0"/>
-          </a:p>
-          <a:p>
-            <a:r>
-              <a:rPr lang="zh-CN" altLang="en-US" dirty="0"/>
+              <a:rPr lang="zh-CN" altLang="en-US" sz="2000" dirty="0" smtClean="0"/>
+              <a:t>树结构（</a:t>
+            </a:r>
+            <a:r>
+              <a:rPr lang="zh-CN" altLang="en-US" sz="2000" dirty="0" smtClean="0"/>
+              <a:t>有序）</a:t>
+            </a:r>
+            <a:endParaRPr lang="en-US" altLang="zh-CN" sz="2000" dirty="0" smtClean="0"/>
+          </a:p>
+          <a:p>
+            <a:r>
+              <a:rPr lang="zh-CN" altLang="en-US" sz="2000" dirty="0" smtClean="0"/>
+              <a:t>树节点上包含多个数据节点</a:t>
+            </a:r>
+            <a:r>
+              <a:rPr lang="en-US" altLang="zh-CN" sz="2000" dirty="0" smtClean="0"/>
+              <a:t>(</a:t>
+            </a:r>
+            <a:r>
+              <a:rPr lang="zh-CN" altLang="en-US" sz="2000" dirty="0"/>
+              <a:t>适合磁盘存储</a:t>
+            </a:r>
+            <a:r>
+              <a:rPr lang="en-US" altLang="zh-CN" sz="2000" dirty="0" smtClean="0"/>
+              <a:t>)</a:t>
+            </a:r>
+            <a:endParaRPr lang="en-US" altLang="zh-CN" sz="2000" dirty="0"/>
+          </a:p>
+          <a:p>
+            <a:r>
+              <a:rPr lang="zh-CN" altLang="en-US" sz="2000" dirty="0" smtClean="0"/>
+              <a:t>数据节点特征值</a:t>
+            </a:r>
+            <a:r>
+              <a:rPr lang="zh-CN" altLang="en-US" sz="2000" dirty="0"/>
+              <a:t>为</a:t>
+            </a:r>
+            <a:r>
+              <a:rPr lang="en-US" altLang="zh-CN" sz="2000" dirty="0" smtClean="0"/>
+              <a:t>ID</a:t>
+            </a:r>
+            <a:r>
+              <a:rPr lang="zh-CN" altLang="en-US" sz="2000" dirty="0" smtClean="0"/>
+              <a:t>值</a:t>
+            </a:r>
+            <a:endParaRPr lang="en-US" altLang="zh-CN" sz="2000" dirty="0" smtClean="0"/>
+          </a:p>
+          <a:p>
+            <a:r>
+              <a:rPr lang="zh-CN" altLang="en-US" sz="2000" dirty="0" smtClean="0"/>
+              <a:t>叶子节点组成一个有序的链表</a:t>
+            </a:r>
+            <a:endParaRPr lang="en-US" altLang="zh-CN" sz="2000" dirty="0" smtClean="0"/>
+          </a:p>
+          <a:p>
+            <a:r>
+              <a:rPr lang="zh-CN" altLang="en-US" sz="2000" dirty="0"/>
               <a:t>叶节点</a:t>
             </a:r>
             <a:r>
-              <a:rPr lang="en-US" altLang="zh-CN" dirty="0"/>
+              <a:rPr lang="en-US" altLang="zh-CN" sz="2000" dirty="0"/>
               <a:t>data</a:t>
             </a:r>
             <a:r>
-              <a:rPr lang="zh-CN" altLang="en-US" dirty="0"/>
+              <a:rPr lang="zh-CN" altLang="en-US" sz="2000" dirty="0"/>
               <a:t>域保存了完整的</a:t>
             </a:r>
             <a:r>
-              <a:rPr lang="zh-CN" altLang="en-US" dirty="0" smtClean="0"/>
-              <a:t>数据记录（索引组织表）</a:t>
-            </a:r>
-            <a:endParaRPr lang="en-US" altLang="zh-CN" dirty="0" smtClean="0"/>
+              <a:rPr lang="zh-CN" altLang="en-US" sz="2000" dirty="0" smtClean="0"/>
+              <a:t>数据记录（索引组织表</a:t>
+            </a:r>
+            <a:r>
+              <a:rPr lang="zh-CN" altLang="en-US" sz="2000" dirty="0" smtClean="0"/>
+              <a:t>）</a:t>
+            </a:r>
+            <a:endParaRPr lang="en-US" altLang="zh-CN" sz="2000" dirty="0" smtClean="0"/>
+          </a:p>
+          <a:p>
+            <a:endParaRPr lang="en-US" altLang="zh-CN" sz="2000" dirty="0" smtClean="0"/>
           </a:p>
           <a:p>
             <a:endParaRPr lang="en-US" altLang="zh-CN" dirty="0" smtClean="0"/>
@@ -3513,7 +3574,7 @@
         </p:blipFill>
         <p:spPr bwMode="auto">
           <a:xfrm>
-            <a:off x="1187624" y="3429000"/>
+            <a:off x="658416" y="3140968"/>
             <a:ext cx="6689108" cy="2968831"/>
           </a:xfrm>
           <a:prstGeom prst="rect">
@@ -3606,35 +3667,130 @@
             <p:ph idx="1"/>
           </p:nvPr>
         </p:nvSpPr>
-        <p:spPr/>
-        <p:txBody>
-          <a:bodyPr/>
-          <a:lstStyle/>
-          <a:p>
-            <a:r>
-              <a:rPr lang="en-US" altLang="zh-CN" dirty="0"/>
+        <p:spPr>
+          <a:xfrm>
+            <a:off x="467544" y="1375975"/>
+            <a:ext cx="8229600" cy="4525963"/>
+          </a:xfrm>
+        </p:spPr>
+        <p:txBody>
+          <a:bodyPr/>
+          <a:lstStyle/>
+          <a:p>
+            <a:r>
+              <a:rPr lang="en-US" altLang="zh-CN" sz="2000" dirty="0"/>
               <a:t>B+</a:t>
             </a:r>
             <a:r>
-              <a:rPr lang="zh-CN" altLang="en-US" dirty="0"/>
+              <a:rPr lang="zh-CN" altLang="en-US" sz="2000" dirty="0"/>
               <a:t>树结构</a:t>
             </a:r>
-            <a:endParaRPr lang="en-US" altLang="zh-CN" dirty="0"/>
-          </a:p>
-          <a:p>
-            <a:r>
-              <a:rPr lang="zh-CN" altLang="en-US" dirty="0"/>
+            <a:endParaRPr lang="en-US" altLang="zh-CN" sz="2000" dirty="0"/>
+          </a:p>
+          <a:p>
+            <a:r>
+              <a:rPr lang="zh-CN" altLang="en-US" sz="2000" dirty="0"/>
+              <a:t>树节点上包含多个数据节点</a:t>
+            </a:r>
+            <a:r>
+              <a:rPr lang="en-US" altLang="zh-CN" sz="2000" dirty="0"/>
+              <a:t>(</a:t>
+            </a:r>
+            <a:r>
+              <a:rPr lang="zh-CN" altLang="en-US" sz="2000" dirty="0"/>
+              <a:t>适合磁盘存储</a:t>
+            </a:r>
+            <a:r>
+              <a:rPr lang="en-US" altLang="zh-CN" sz="2000" dirty="0" smtClean="0"/>
+              <a:t>)</a:t>
+            </a:r>
+          </a:p>
+          <a:p>
+            <a:r>
+              <a:rPr lang="zh-CN" altLang="en-US" sz="2000" dirty="0"/>
+              <a:t>数据节点特征值</a:t>
+            </a:r>
+            <a:r>
+              <a:rPr lang="zh-CN" altLang="en-US" sz="2000" dirty="0" smtClean="0"/>
+              <a:t>为</a:t>
+            </a:r>
+            <a:r>
+              <a:rPr lang="zh-CN" altLang="en-US" sz="2000" b="1" dirty="0" smtClean="0">
+                <a:solidFill>
+                  <a:srgbClr val="FF0000"/>
+                </a:solidFill>
+              </a:rPr>
+              <a:t>建索引列的数据</a:t>
+            </a:r>
+            <a:endParaRPr lang="en-US" altLang="zh-CN" sz="2000" b="1" dirty="0" smtClean="0">
+              <a:solidFill>
+                <a:srgbClr val="FF0000"/>
+              </a:solidFill>
+            </a:endParaRPr>
+          </a:p>
+          <a:p>
+            <a:r>
+              <a:rPr lang="zh-CN" altLang="en-US" sz="2000" dirty="0"/>
+              <a:t>叶子节点组成一个有序的</a:t>
+            </a:r>
+            <a:r>
+              <a:rPr lang="zh-CN" altLang="en-US" sz="2000" dirty="0" smtClean="0"/>
+              <a:t>链表</a:t>
+            </a:r>
+            <a:endParaRPr lang="en-US" altLang="zh-CN" sz="2000" dirty="0" smtClean="0"/>
+          </a:p>
+          <a:p>
+            <a:r>
+              <a:rPr lang="zh-CN" altLang="en-US" sz="2000" dirty="0"/>
               <a:t>叶节点</a:t>
             </a:r>
             <a:r>
-              <a:rPr lang="en-US" altLang="zh-CN" dirty="0"/>
+              <a:rPr lang="en-US" altLang="zh-CN" sz="2000" dirty="0"/>
               <a:t>data</a:t>
             </a:r>
             <a:r>
-              <a:rPr lang="zh-CN" altLang="en-US" dirty="0" smtClean="0"/>
-              <a:t>域仅包含对应记录的主键值</a:t>
-            </a:r>
-            <a:endParaRPr lang="zh-CN" altLang="en-US" dirty="0"/>
+              <a:rPr lang="zh-CN" altLang="en-US" sz="2000" dirty="0"/>
+              <a:t>域保存</a:t>
+            </a:r>
+            <a:r>
+              <a:rPr lang="zh-CN" altLang="en-US" sz="2000" dirty="0" smtClean="0"/>
+              <a:t>了</a:t>
+            </a:r>
+            <a:r>
+              <a:rPr lang="zh-CN" altLang="en-US" sz="2000" b="1" dirty="0" smtClean="0">
+                <a:solidFill>
+                  <a:srgbClr val="FF0000"/>
+                </a:solidFill>
+              </a:rPr>
+              <a:t>对应记录的</a:t>
+            </a:r>
+            <a:r>
+              <a:rPr lang="en-US" altLang="zh-CN" sz="2000" b="1" dirty="0" smtClean="0">
+                <a:solidFill>
+                  <a:srgbClr val="FF0000"/>
+                </a:solidFill>
+              </a:rPr>
+              <a:t>ID</a:t>
+            </a:r>
+            <a:r>
+              <a:rPr lang="zh-CN" altLang="en-US" sz="2000" b="1" dirty="0" smtClean="0">
+                <a:solidFill>
+                  <a:srgbClr val="FF0000"/>
+                </a:solidFill>
+              </a:rPr>
+              <a:t>值</a:t>
+            </a:r>
+            <a:endParaRPr lang="en-US" altLang="zh-CN" sz="2000" b="1" dirty="0" smtClean="0">
+              <a:solidFill>
+                <a:srgbClr val="FF0000"/>
+              </a:solidFill>
+            </a:endParaRPr>
+          </a:p>
+          <a:p>
+            <a:endParaRPr lang="en-US" altLang="zh-CN" sz="2000" dirty="0"/>
+          </a:p>
+          <a:p>
+            <a:endParaRPr lang="en-US" altLang="zh-CN" sz="2000" dirty="0"/>
           </a:p>
         </p:txBody>
       </p:sp>
@@ -4390,11 +4546,15 @@
             </a:r>
             <a:r>
               <a:rPr lang="zh-CN" altLang="en-US" dirty="0" smtClean="0"/>
-              <a:t>符合索引匹配规则且查询</a:t>
+              <a:t>符合索引匹配规则且查询的数据恰好都能</a:t>
             </a:r>
             <a:r>
               <a:rPr lang="zh-CN" altLang="en-US" dirty="0" smtClean="0"/>
-              <a:t>的数据恰好都能从索引上获得</a:t>
+              <a:t>从二级索引上</a:t>
+            </a:r>
+            <a:r>
+              <a:rPr lang="zh-CN" altLang="en-US" dirty="0" smtClean="0"/>
+              <a:t>获得</a:t>
             </a:r>
             <a:r>
               <a:rPr lang="en-US" altLang="zh-CN" dirty="0" smtClean="0"/>
@@ -4402,11 +4562,7 @@
             </a:r>
             <a:r>
               <a:rPr lang="zh-CN" altLang="en-US" dirty="0" smtClean="0"/>
-              <a:t> </a:t>
-            </a:r>
-            <a:r>
-              <a:rPr lang="zh-CN" altLang="en-US" dirty="0" smtClean="0"/>
-              <a:t>那么</a:t>
+              <a:t> 那么</a:t>
             </a:r>
             <a:r>
               <a:rPr lang="zh-CN" altLang="en-US" dirty="0"/>
@@ -4481,11 +4637,7 @@
           <a:p>
             <a:r>
               <a:rPr lang="zh-CN" altLang="en-US" dirty="0" smtClean="0"/>
-              <a:t>关于</a:t>
-            </a:r>
-            <a:r>
-              <a:rPr lang="zh-CN" altLang="en-US" dirty="0" smtClean="0"/>
-              <a:t>索引使用的建议</a:t>
+              <a:t>关于索引使用的建议</a:t>
             </a:r>
             <a:r>
               <a:rPr lang="en-US" altLang="zh-CN" dirty="0" smtClean="0"/>
@@ -4565,11 +4717,7 @@
             </a:r>
             <a:r>
               <a:rPr lang="zh-CN" altLang="en-US" sz="2400" dirty="0" smtClean="0"/>
-              <a:t>尽量避免</a:t>
-            </a:r>
-            <a:r>
-              <a:rPr lang="zh-CN" altLang="en-US" sz="2400" dirty="0" smtClean="0"/>
-              <a:t>使用</a:t>
+              <a:t>尽量避免使用</a:t>
             </a:r>
             <a:r>
               <a:rPr lang="en-US" altLang="zh-CN" sz="2400" dirty="0" smtClean="0"/>
@@ -4600,10 +4748,6 @@
             <a:r>
               <a:rPr lang="zh-CN" altLang="en-US" sz="1800" dirty="0"/>
               <a:t>字段很难查询优化</a:t>
-            </a:r>
-            <a:r>
-              <a:rPr lang="zh-CN" altLang="en-US" sz="1800" dirty="0"/>
-              <a:t/>
             </a:r>
             <a:br>
               <a:rPr lang="zh-CN" altLang="en-US" sz="1800" dirty="0"/>
@@ -4616,10 +4760,6 @@
               <a:rPr lang="zh-CN" altLang="en-US" sz="1800" dirty="0"/>
               <a:t>字段的索引需要额外空间</a:t>
             </a:r>
-            <a:r>
-              <a:rPr lang="zh-CN" altLang="en-US" sz="1800" dirty="0"/>
-              <a:t/>
-            </a:r>
             <a:br>
               <a:rPr lang="zh-CN" altLang="en-US" sz="1800" dirty="0"/>
             </a:br>
@@ -4650,11 +4790,7 @@
             </a:r>
             <a:r>
               <a:rPr lang="zh-CN" altLang="en-US" sz="2400" dirty="0"/>
-              <a:t>列</a:t>
-            </a:r>
-            <a:r>
-              <a:rPr lang="zh-CN" altLang="en-US" sz="2400" dirty="0"/>
-              <a:t>类型选择原则：够用就行，不必慷慨；列类型选择优先级：整形</a:t>
+              <a:t>列类型选择原则：够用就行，不必慷慨；列类型选择优先级：整形</a:t>
             </a:r>
             <a:r>
               <a:rPr lang="en-US" altLang="zh-CN" sz="2400" dirty="0"/>
